--- a/Big Mountain Capstone Project.pptx
+++ b/Big Mountain Capstone Project.pptx
@@ -2867,7 +2867,7 @@
           <a:p>
             <a:fld id="{2E8E5DF5-5D0E-4671-8304-ED7188742689}" type="datetimeFigureOut">
               <a:rPr lang="en-US" smtClean="0"/>
-              <a:t>10/25/2020</a:t>
+              <a:t>10/26/2020</a:t>
             </a:fld>
             <a:endParaRPr lang="en-US"/>
           </a:p>
@@ -3065,7 +3065,7 @@
           <a:p>
             <a:fld id="{2E8E5DF5-5D0E-4671-8304-ED7188742689}" type="datetimeFigureOut">
               <a:rPr lang="en-US" smtClean="0"/>
-              <a:t>10/25/2020</a:t>
+              <a:t>10/26/2020</a:t>
             </a:fld>
             <a:endParaRPr lang="en-US"/>
           </a:p>
@@ -3273,7 +3273,7 @@
           <a:p>
             <a:fld id="{2E8E5DF5-5D0E-4671-8304-ED7188742689}" type="datetimeFigureOut">
               <a:rPr lang="en-US" smtClean="0"/>
-              <a:t>10/25/2020</a:t>
+              <a:t>10/26/2020</a:t>
             </a:fld>
             <a:endParaRPr lang="en-US"/>
           </a:p>
@@ -3471,7 +3471,7 @@
           <a:p>
             <a:fld id="{2E8E5DF5-5D0E-4671-8304-ED7188742689}" type="datetimeFigureOut">
               <a:rPr lang="en-US" smtClean="0"/>
-              <a:t>10/25/2020</a:t>
+              <a:t>10/26/2020</a:t>
             </a:fld>
             <a:endParaRPr lang="en-US"/>
           </a:p>
@@ -3746,7 +3746,7 @@
           <a:p>
             <a:fld id="{2E8E5DF5-5D0E-4671-8304-ED7188742689}" type="datetimeFigureOut">
               <a:rPr lang="en-US" smtClean="0"/>
-              <a:t>10/25/2020</a:t>
+              <a:t>10/26/2020</a:t>
             </a:fld>
             <a:endParaRPr lang="en-US"/>
           </a:p>
@@ -4011,7 +4011,7 @@
           <a:p>
             <a:fld id="{2E8E5DF5-5D0E-4671-8304-ED7188742689}" type="datetimeFigureOut">
               <a:rPr lang="en-US" smtClean="0"/>
-              <a:t>10/25/2020</a:t>
+              <a:t>10/26/2020</a:t>
             </a:fld>
             <a:endParaRPr lang="en-US"/>
           </a:p>
@@ -4423,7 +4423,7 @@
           <a:p>
             <a:fld id="{2E8E5DF5-5D0E-4671-8304-ED7188742689}" type="datetimeFigureOut">
               <a:rPr lang="en-US" smtClean="0"/>
-              <a:t>10/25/2020</a:t>
+              <a:t>10/26/2020</a:t>
             </a:fld>
             <a:endParaRPr lang="en-US"/>
           </a:p>
@@ -4564,7 +4564,7 @@
           <a:p>
             <a:fld id="{2E8E5DF5-5D0E-4671-8304-ED7188742689}" type="datetimeFigureOut">
               <a:rPr lang="en-US" smtClean="0"/>
-              <a:t>10/25/2020</a:t>
+              <a:t>10/26/2020</a:t>
             </a:fld>
             <a:endParaRPr lang="en-US"/>
           </a:p>
@@ -4677,7 +4677,7 @@
           <a:p>
             <a:fld id="{2E8E5DF5-5D0E-4671-8304-ED7188742689}" type="datetimeFigureOut">
               <a:rPr lang="en-US" smtClean="0"/>
-              <a:t>10/25/2020</a:t>
+              <a:t>10/26/2020</a:t>
             </a:fld>
             <a:endParaRPr lang="en-US"/>
           </a:p>
@@ -4988,7 +4988,7 @@
           <a:p>
             <a:fld id="{2E8E5DF5-5D0E-4671-8304-ED7188742689}" type="datetimeFigureOut">
               <a:rPr lang="en-US" smtClean="0"/>
-              <a:t>10/25/2020</a:t>
+              <a:t>10/26/2020</a:t>
             </a:fld>
             <a:endParaRPr lang="en-US"/>
           </a:p>
@@ -5276,7 +5276,7 @@
           <a:p>
             <a:fld id="{2E8E5DF5-5D0E-4671-8304-ED7188742689}" type="datetimeFigureOut">
               <a:rPr lang="en-US" smtClean="0"/>
-              <a:t>10/25/2020</a:t>
+              <a:t>10/26/2020</a:t>
             </a:fld>
             <a:endParaRPr lang="en-US"/>
           </a:p>
@@ -5517,7 +5517,7 @@
           <a:p>
             <a:fld id="{2E8E5DF5-5D0E-4671-8304-ED7188742689}" type="datetimeFigureOut">
               <a:rPr lang="en-US" smtClean="0"/>
-              <a:t>10/25/2020</a:t>
+              <a:t>10/26/2020</a:t>
             </a:fld>
             <a:endParaRPr lang="en-US"/>
           </a:p>
@@ -6658,13 +6658,13 @@
           <a:p>
             <a:r>
               <a:rPr lang="en-US" dirty="0"/>
-              <a:t>Increase Ticket price by $17.33</a:t>
+              <a:t>Increase Ticket price by $1.99</a:t>
             </a:r>
           </a:p>
           <a:p>
             <a:r>
               <a:rPr lang="en-US" dirty="0"/>
-              <a:t>Revenue Impact ~ 3Mil</a:t>
+              <a:t>Revenue Impact ~ 3.4Mil</a:t>
             </a:r>
           </a:p>
         </p:txBody>
@@ -6707,13 +6707,13 @@
           <a:p>
             <a:r>
               <a:rPr lang="en-US" dirty="0"/>
-              <a:t>Increase Ticket price by $17.33</a:t>
+              <a:t>Increase Ticket price by $1.99</a:t>
             </a:r>
           </a:p>
           <a:p>
             <a:r>
               <a:rPr lang="en-US" dirty="0"/>
-              <a:t>Revenue Impact ~ 3.2Mil</a:t>
+              <a:t>Revenue Impact ~ 3.4Mil</a:t>
             </a:r>
           </a:p>
           <a:p>
